--- a/doc/assets/ppt/第 4 部分 应用场景.pptx
+++ b/doc/assets/ppt/第 4 部分 应用场景.pptx
@@ -5,11 +5,12 @@
     <p:sldMasterId id="2147483648" r:id="rId1"/>
   </p:sldMasterIdLst>
   <p:notesMasterIdLst>
-    <p:notesMasterId r:id="rId4"/>
+    <p:notesMasterId r:id="rId5"/>
   </p:notesMasterIdLst>
   <p:sldIdLst>
     <p:sldId id="337" r:id="rId2"/>
     <p:sldId id="338" r:id="rId3"/>
+    <p:sldId id="339" r:id="rId4"/>
   </p:sldIdLst>
   <p:sldSz cx="5040313" cy="3600450"/>
   <p:notesSz cx="6858000" cy="9144000"/>
@@ -117,6 +118,11 @@
             <p14:sldId id="338"/>
           </p14:sldIdLst>
         </p14:section>
+        <p14:section name="第02节：【作业】vue H5 大转盘抽奖" id="{E328AFE7-CED4-124C-928E-7573E9EC5D10}">
+          <p14:sldIdLst>
+            <p14:sldId id="339"/>
+          </p14:sldIdLst>
+        </p14:section>
       </p14:sectionLst>
     </p:ext>
     <p:ext uri="{EFAFB233-063F-42B5-8137-9DF3F51BA10A}">
@@ -220,7 +226,7 @@
           <a:p>
             <a:fld id="{E47FC481-15AF-45CA-8376-B9BCE636A15E}" type="datetimeFigureOut">
               <a:rPr lang="zh-CN" altLang="en-US" smtClean="0"/>
-              <a:t>2021/12/19</a:t>
+              <a:t>2021/12/25</a:t>
             </a:fld>
             <a:endParaRPr lang="zh-CN" altLang="en-US"/>
           </a:p>
@@ -630,7 +636,7 @@
           <a:p>
             <a:fld id="{DCD554A7-7CC4-40A9-A60E-4E72AAE3CDC5}" type="datetimeFigureOut">
               <a:rPr lang="zh-CN" altLang="en-US" smtClean="0"/>
-              <a:t>2021/12/19</a:t>
+              <a:t>2021/12/25</a:t>
             </a:fld>
             <a:endParaRPr lang="zh-CN" altLang="en-US"/>
           </a:p>
@@ -838,7 +844,7 @@
           <a:p>
             <a:fld id="{DCD554A7-7CC4-40A9-A60E-4E72AAE3CDC5}" type="datetimeFigureOut">
               <a:rPr lang="zh-CN" altLang="en-US" smtClean="0"/>
-              <a:t>2021/12/19</a:t>
+              <a:t>2021/12/25</a:t>
             </a:fld>
             <a:endParaRPr lang="zh-CN" altLang="en-US"/>
           </a:p>
@@ -1046,7 +1052,7 @@
           <a:p>
             <a:fld id="{DCD554A7-7CC4-40A9-A60E-4E72AAE3CDC5}" type="datetimeFigureOut">
               <a:rPr lang="zh-CN" altLang="en-US" smtClean="0"/>
-              <a:t>2021/12/19</a:t>
+              <a:t>2021/12/25</a:t>
             </a:fld>
             <a:endParaRPr lang="zh-CN" altLang="en-US"/>
           </a:p>
@@ -1254,7 +1260,7 @@
           <a:p>
             <a:fld id="{DCD554A7-7CC4-40A9-A60E-4E72AAE3CDC5}" type="datetimeFigureOut">
               <a:rPr lang="zh-CN" altLang="en-US" smtClean="0"/>
-              <a:t>2021/12/19</a:t>
+              <a:t>2021/12/25</a:t>
             </a:fld>
             <a:endParaRPr lang="zh-CN" altLang="en-US"/>
           </a:p>
@@ -1529,7 +1535,7 @@
           <a:p>
             <a:fld id="{DCD554A7-7CC4-40A9-A60E-4E72AAE3CDC5}" type="datetimeFigureOut">
               <a:rPr lang="zh-CN" altLang="en-US" smtClean="0"/>
-              <a:t>2021/12/19</a:t>
+              <a:t>2021/12/25</a:t>
             </a:fld>
             <a:endParaRPr lang="zh-CN" altLang="en-US"/>
           </a:p>
@@ -1796,7 +1802,7 @@
           <a:p>
             <a:fld id="{DCD554A7-7CC4-40A9-A60E-4E72AAE3CDC5}" type="datetimeFigureOut">
               <a:rPr lang="zh-CN" altLang="en-US" smtClean="0"/>
-              <a:t>2021/12/19</a:t>
+              <a:t>2021/12/25</a:t>
             </a:fld>
             <a:endParaRPr lang="zh-CN" altLang="en-US"/>
           </a:p>
@@ -2199,7 +2205,7 @@
           <a:p>
             <a:fld id="{DCD554A7-7CC4-40A9-A60E-4E72AAE3CDC5}" type="datetimeFigureOut">
               <a:rPr lang="zh-CN" altLang="en-US" smtClean="0"/>
-              <a:t>2021/12/19</a:t>
+              <a:t>2021/12/25</a:t>
             </a:fld>
             <a:endParaRPr lang="zh-CN" altLang="en-US"/>
           </a:p>
@@ -2348,7 +2354,7 @@
           <a:p>
             <a:fld id="{DCD554A7-7CC4-40A9-A60E-4E72AAE3CDC5}" type="datetimeFigureOut">
               <a:rPr lang="zh-CN" altLang="en-US" smtClean="0"/>
-              <a:t>2021/12/19</a:t>
+              <a:t>2021/12/25</a:t>
             </a:fld>
             <a:endParaRPr lang="zh-CN" altLang="en-US"/>
           </a:p>
@@ -2467,7 +2473,7 @@
           <a:p>
             <a:fld id="{DCD554A7-7CC4-40A9-A60E-4E72AAE3CDC5}" type="datetimeFigureOut">
               <a:rPr lang="zh-CN" altLang="en-US" smtClean="0"/>
-              <a:t>2021/12/19</a:t>
+              <a:t>2021/12/25</a:t>
             </a:fld>
             <a:endParaRPr lang="zh-CN" altLang="en-US"/>
           </a:p>
@@ -2775,7 +2781,7 @@
           <a:p>
             <a:fld id="{DCD554A7-7CC4-40A9-A60E-4E72AAE3CDC5}" type="datetimeFigureOut">
               <a:rPr lang="zh-CN" altLang="en-US" smtClean="0"/>
-              <a:t>2021/12/19</a:t>
+              <a:t>2021/12/25</a:t>
             </a:fld>
             <a:endParaRPr lang="zh-CN" altLang="en-US"/>
           </a:p>
@@ -3060,7 +3066,7 @@
           <a:p>
             <a:fld id="{DCD554A7-7CC4-40A9-A60E-4E72AAE3CDC5}" type="datetimeFigureOut">
               <a:rPr lang="zh-CN" altLang="en-US" smtClean="0"/>
-              <a:t>2021/12/19</a:t>
+              <a:t>2021/12/25</a:t>
             </a:fld>
             <a:endParaRPr lang="zh-CN" altLang="en-US"/>
           </a:p>
@@ -7968,6 +7974,380 @@
     <p:extLst>
       <p:ext uri="{BB962C8B-B14F-4D97-AF65-F5344CB8AC3E}">
         <p14:creationId xmlns:p14="http://schemas.microsoft.com/office/powerpoint/2010/main" val="3825306610"/>
+      </p:ext>
+    </p:extLst>
+  </p:cSld>
+  <p:clrMapOvr>
+    <a:masterClrMapping/>
+  </p:clrMapOvr>
+</p:sld>
+</file>
+
+<file path=ppt/slides/slide3.xml><?xml version="1.0" encoding="utf-8"?>
+<p:sld xmlns:a="http://schemas.openxmlformats.org/drawingml/2006/main" xmlns:r="http://schemas.openxmlformats.org/officeDocument/2006/relationships" xmlns:p="http://schemas.openxmlformats.org/presentationml/2006/main">
+  <p:cSld>
+    <p:spTree>
+      <p:nvGrpSpPr>
+        <p:cNvPr id="1" name=""/>
+        <p:cNvGrpSpPr/>
+        <p:nvPr/>
+      </p:nvGrpSpPr>
+      <p:grpSpPr>
+        <a:xfrm>
+          <a:off x="0" y="0"/>
+          <a:ext cx="0" cy="0"/>
+          <a:chOff x="0" y="0"/>
+          <a:chExt cx="0" cy="0"/>
+        </a:xfrm>
+      </p:grpSpPr>
+      <p:sp>
+        <p:nvSpPr>
+          <p:cNvPr id="3" name="矩形 2">
+            <a:extLst>
+              <a:ext uri="{FF2B5EF4-FFF2-40B4-BE49-F238E27FC236}">
+                <a16:creationId xmlns:a16="http://schemas.microsoft.com/office/drawing/2014/main" id="{01E47C42-3A0F-AE4F-9D52-DD7C0E71E04A}"/>
+              </a:ext>
+            </a:extLst>
+          </p:cNvPr>
+          <p:cNvSpPr/>
+          <p:nvPr/>
+        </p:nvSpPr>
+        <p:spPr>
+          <a:xfrm>
+            <a:off x="1" y="1297555"/>
+            <a:ext cx="5040312" cy="369332"/>
+          </a:xfrm>
+          <a:prstGeom prst="rect">
+            <a:avLst/>
+          </a:prstGeom>
+        </p:spPr>
+        <p:txBody>
+          <a:bodyPr wrap="square">
+            <a:spAutoFit/>
+          </a:bodyPr>
+          <a:lstStyle/>
+          <a:p>
+            <a:pPr algn="ctr"/>
+            <a:r>
+              <a:rPr lang="zh-CN" altLang="en-US" sz="1800" dirty="0"/>
+              <a:t>第</a:t>
+            </a:r>
+            <a:r>
+              <a:rPr lang="en-US" altLang="zh-CN" sz="1800" dirty="0"/>
+              <a:t>02</a:t>
+            </a:r>
+            <a:r>
+              <a:rPr lang="zh-CN" altLang="en-US" sz="1800" dirty="0"/>
+              <a:t>节：</a:t>
+            </a:r>
+            <a:r>
+              <a:rPr lang="en-US" altLang="zh-CN" sz="1800" dirty="0"/>
+              <a:t>【</a:t>
+            </a:r>
+            <a:r>
+              <a:rPr lang="zh-CN" altLang="en-US" sz="1800" dirty="0"/>
+              <a:t>作业</a:t>
+            </a:r>
+            <a:r>
+              <a:rPr lang="en-US" altLang="zh-CN" sz="1800" dirty="0"/>
+              <a:t>】</a:t>
+            </a:r>
+            <a:r>
+              <a:rPr lang="en" altLang="zh-CN" sz="1800" dirty="0" err="1"/>
+              <a:t>vue</a:t>
+            </a:r>
+            <a:r>
+              <a:rPr lang="en" altLang="zh-CN" sz="1800" dirty="0"/>
+              <a:t> H5 </a:t>
+            </a:r>
+            <a:r>
+              <a:rPr lang="zh-CN" altLang="en-US" sz="1800" dirty="0"/>
+              <a:t>大转盘抽奖</a:t>
+            </a:r>
+          </a:p>
+        </p:txBody>
+      </p:sp>
+      <p:sp>
+        <p:nvSpPr>
+          <p:cNvPr id="11" name="矩形 10">
+            <a:extLst>
+              <a:ext uri="{FF2B5EF4-FFF2-40B4-BE49-F238E27FC236}">
+                <a16:creationId xmlns:a16="http://schemas.microsoft.com/office/drawing/2014/main" id="{3BFD82CE-F64F-3D4E-A4C8-923660A6B63B}"/>
+              </a:ext>
+            </a:extLst>
+          </p:cNvPr>
+          <p:cNvSpPr/>
+          <p:nvPr/>
+        </p:nvSpPr>
+        <p:spPr>
+          <a:xfrm>
+            <a:off x="2" y="56943"/>
+            <a:ext cx="2815194" cy="338554"/>
+          </a:xfrm>
+          <a:prstGeom prst="rect">
+            <a:avLst/>
+          </a:prstGeom>
+          <a:noFill/>
+        </p:spPr>
+        <p:txBody>
+          <a:bodyPr wrap="none" lIns="91440" tIns="45720" rIns="91440" bIns="45720">
+            <a:spAutoFit/>
+          </a:bodyPr>
+          <a:lstStyle/>
+          <a:p>
+            <a:pPr algn="ctr"/>
+            <a:r>
+              <a:rPr lang="zh-CN" altLang="en-US" sz="1600" b="1" cap="none" spc="0" dirty="0">
+                <a:ln w="12700">
+                  <a:solidFill>
+                    <a:schemeClr val="accent5"/>
+                  </a:solidFill>
+                  <a:prstDash val="solid"/>
+                </a:ln>
+                <a:pattFill prst="ltDnDiag">
+                  <a:fgClr>
+                    <a:schemeClr val="accent5">
+                      <a:lumMod val="60000"/>
+                      <a:lumOff val="40000"/>
+                    </a:schemeClr>
+                  </a:fgClr>
+                  <a:bgClr>
+                    <a:schemeClr val="bg1"/>
+                  </a:bgClr>
+                </a:pattFill>
+                <a:effectLst/>
+              </a:rPr>
+              <a:t>抽奖系统 </a:t>
+            </a:r>
+            <a:r>
+              <a:rPr lang="en-US" altLang="zh-CN" sz="1600" b="1" cap="none" spc="0" dirty="0">
+                <a:ln w="12700">
+                  <a:solidFill>
+                    <a:schemeClr val="accent5"/>
+                  </a:solidFill>
+                  <a:prstDash val="solid"/>
+                </a:ln>
+                <a:pattFill prst="ltDnDiag">
+                  <a:fgClr>
+                    <a:schemeClr val="accent5">
+                      <a:lumMod val="60000"/>
+                      <a:lumOff val="40000"/>
+                    </a:schemeClr>
+                  </a:fgClr>
+                  <a:bgClr>
+                    <a:schemeClr val="bg1"/>
+                  </a:bgClr>
+                </a:pattFill>
+                <a:effectLst/>
+              </a:rPr>
+              <a:t>·</a:t>
+            </a:r>
+            <a:r>
+              <a:rPr lang="zh-CN" altLang="en-US" sz="1600" b="1" cap="none" spc="0" dirty="0">
+                <a:ln w="12700">
+                  <a:solidFill>
+                    <a:schemeClr val="accent5"/>
+                  </a:solidFill>
+                  <a:prstDash val="solid"/>
+                </a:ln>
+                <a:pattFill prst="ltDnDiag">
+                  <a:fgClr>
+                    <a:schemeClr val="accent5">
+                      <a:lumMod val="60000"/>
+                      <a:lumOff val="40000"/>
+                    </a:schemeClr>
+                  </a:fgClr>
+                  <a:bgClr>
+                    <a:schemeClr val="bg1"/>
+                  </a:bgClr>
+                </a:pattFill>
+                <a:effectLst/>
+              </a:rPr>
+              <a:t> 第</a:t>
+            </a:r>
+            <a:r>
+              <a:rPr lang="en-US" altLang="zh-CN" sz="1600" b="1" cap="none" spc="0" dirty="0">
+                <a:ln w="12700">
+                  <a:solidFill>
+                    <a:schemeClr val="accent5"/>
+                  </a:solidFill>
+                  <a:prstDash val="solid"/>
+                </a:ln>
+                <a:pattFill prst="ltDnDiag">
+                  <a:fgClr>
+                    <a:schemeClr val="accent5">
+                      <a:lumMod val="60000"/>
+                      <a:lumOff val="40000"/>
+                    </a:schemeClr>
+                  </a:fgClr>
+                  <a:bgClr>
+                    <a:schemeClr val="bg1"/>
+                  </a:bgClr>
+                </a:pattFill>
+                <a:effectLst/>
+              </a:rPr>
+              <a:t>4</a:t>
+            </a:r>
+            <a:r>
+              <a:rPr lang="zh-CN" altLang="en-US" sz="1600" b="1" cap="none" spc="0" dirty="0">
+                <a:ln w="12700">
+                  <a:solidFill>
+                    <a:schemeClr val="accent5"/>
+                  </a:solidFill>
+                  <a:prstDash val="solid"/>
+                </a:ln>
+                <a:pattFill prst="ltDnDiag">
+                  <a:fgClr>
+                    <a:schemeClr val="accent5">
+                      <a:lumMod val="60000"/>
+                      <a:lumOff val="40000"/>
+                    </a:schemeClr>
+                  </a:fgClr>
+                  <a:bgClr>
+                    <a:schemeClr val="bg1"/>
+                  </a:bgClr>
+                </a:pattFill>
+                <a:effectLst/>
+              </a:rPr>
+              <a:t>部分 应用场景</a:t>
+            </a:r>
+          </a:p>
+        </p:txBody>
+      </p:sp>
+      <p:sp>
+        <p:nvSpPr>
+          <p:cNvPr id="2" name="矩形 1">
+            <a:extLst>
+              <a:ext uri="{FF2B5EF4-FFF2-40B4-BE49-F238E27FC236}">
+                <a16:creationId xmlns:a16="http://schemas.microsoft.com/office/drawing/2014/main" id="{9DBC7427-2BE1-C246-A1BD-FCD4832FA2DE}"/>
+              </a:ext>
+            </a:extLst>
+          </p:cNvPr>
+          <p:cNvSpPr/>
+          <p:nvPr/>
+        </p:nvSpPr>
+        <p:spPr>
+          <a:xfrm>
+            <a:off x="160071" y="2015669"/>
+            <a:ext cx="4720168" cy="415498"/>
+          </a:xfrm>
+          <a:prstGeom prst="rect">
+            <a:avLst/>
+          </a:prstGeom>
+        </p:spPr>
+        <p:txBody>
+          <a:bodyPr wrap="square">
+            <a:spAutoFit/>
+          </a:bodyPr>
+          <a:lstStyle/>
+          <a:p>
+            <a:pPr marL="171450" indent="-171450">
+              <a:buFont typeface="Arial" panose="020B0604020202020204" pitchFamily="34" charset="0"/>
+              <a:buChar char="•"/>
+            </a:pPr>
+            <a:r>
+              <a:rPr lang="zh-CN" altLang="en-US" sz="700" dirty="0">
+                <a:solidFill>
+                  <a:schemeClr val="tx1">
+                    <a:lumMod val="75000"/>
+                    <a:lumOff val="25000"/>
+                  </a:schemeClr>
+                </a:solidFill>
+                <a:latin typeface="Microsoft YaHei" panose="020B0503020204020204" pitchFamily="34" charset="-122"/>
+                <a:ea typeface="Microsoft YaHei" panose="020B0503020204020204" pitchFamily="34" charset="-122"/>
+              </a:rPr>
+              <a:t>本章节是一个作业章节，我会带着你基于</a:t>
+            </a:r>
+            <a:r>
+              <a:rPr lang="en" altLang="zh-CN" sz="700" dirty="0" err="1">
+                <a:solidFill>
+                  <a:schemeClr val="tx1">
+                    <a:lumMod val="75000"/>
+                    <a:lumOff val="25000"/>
+                  </a:schemeClr>
+                </a:solidFill>
+                <a:latin typeface="Microsoft YaHei" panose="020B0503020204020204" pitchFamily="34" charset="-122"/>
+                <a:ea typeface="Microsoft YaHei" panose="020B0503020204020204" pitchFamily="34" charset="-122"/>
+              </a:rPr>
+              <a:t>vue</a:t>
+            </a:r>
+            <a:r>
+              <a:rPr lang="zh-CN" altLang="en-US" sz="700" dirty="0">
+                <a:solidFill>
+                  <a:schemeClr val="tx1">
+                    <a:lumMod val="75000"/>
+                    <a:lumOff val="25000"/>
+                  </a:schemeClr>
+                </a:solidFill>
+                <a:latin typeface="Microsoft YaHei" panose="020B0503020204020204" pitchFamily="34" charset="-122"/>
+                <a:ea typeface="Microsoft YaHei" panose="020B0503020204020204" pitchFamily="34" charset="-122"/>
+              </a:rPr>
+              <a:t>搭建初始工程，加入抽奖模块以及一个案例接口。之后需要你在这个基础上完善整个抽奖流程的调用和展示，这样你就可以把整个抽奖过程串联起来了。</a:t>
+            </a:r>
+            <a:br>
+              <a:rPr lang="zh-CN" altLang="en-US" sz="700" dirty="0">
+                <a:solidFill>
+                  <a:schemeClr val="tx1">
+                    <a:lumMod val="75000"/>
+                    <a:lumOff val="25000"/>
+                  </a:schemeClr>
+                </a:solidFill>
+                <a:latin typeface="Microsoft YaHei" panose="020B0503020204020204" pitchFamily="34" charset="-122"/>
+                <a:ea typeface="Microsoft YaHei" panose="020B0503020204020204" pitchFamily="34" charset="-122"/>
+              </a:rPr>
+            </a:br>
+            <a:endParaRPr lang="zh-CN" altLang="en-US" sz="700" dirty="0">
+              <a:solidFill>
+                <a:schemeClr val="tx1">
+                  <a:lumMod val="75000"/>
+                  <a:lumOff val="25000"/>
+                </a:schemeClr>
+              </a:solidFill>
+              <a:latin typeface="Microsoft YaHei" panose="020B0503020204020204" pitchFamily="34" charset="-122"/>
+              <a:ea typeface="Microsoft YaHei" panose="020B0503020204020204" pitchFamily="34" charset="-122"/>
+            </a:endParaRPr>
+          </a:p>
+        </p:txBody>
+      </p:sp>
+      <p:pic>
+        <p:nvPicPr>
+          <p:cNvPr id="7" name="图片 6">
+            <a:extLst>
+              <a:ext uri="{FF2B5EF4-FFF2-40B4-BE49-F238E27FC236}">
+                <a16:creationId xmlns:a16="http://schemas.microsoft.com/office/drawing/2014/main" id="{D246B188-6766-F241-A4A9-B4C529E2D0A0}"/>
+              </a:ext>
+            </a:extLst>
+          </p:cNvPr>
+          <p:cNvPicPr>
+            <a:picLocks noChangeAspect="1"/>
+          </p:cNvPicPr>
+          <p:nvPr/>
+        </p:nvPicPr>
+        <p:blipFill>
+          <a:blip r:embed="rId2">
+            <a:extLst>
+              <a:ext uri="{28A0092B-C50C-407E-A947-70E740481C1C}">
+                <a14:useLocalDpi xmlns:a14="http://schemas.microsoft.com/office/drawing/2010/main" val="0"/>
+              </a:ext>
+            </a:extLst>
+          </a:blip>
+          <a:srcRect/>
+          <a:stretch/>
+        </p:blipFill>
+        <p:spPr>
+          <a:xfrm>
+            <a:off x="2212653" y="539024"/>
+            <a:ext cx="615003" cy="615003"/>
+          </a:xfrm>
+          <a:prstGeom prst="rect">
+            <a:avLst/>
+          </a:prstGeom>
+        </p:spPr>
+      </p:pic>
+    </p:spTree>
+    <p:extLst>
+      <p:ext uri="{BB962C8B-B14F-4D97-AF65-F5344CB8AC3E}">
+        <p14:creationId xmlns:p14="http://schemas.microsoft.com/office/powerpoint/2010/main" val="2186627135"/>
       </p:ext>
     </p:extLst>
   </p:cSld>
